--- a/paper/figures/examples.pptx
+++ b/paper/figures/examples.pptx
@@ -104,13 +104,18 @@
       </a:defRPr>
     </a:lvl9pPr>
   </p:defaultTextStyle>
+  <p:extLst>
+    <p:ext uri="{EFAFB233-063F-42B5-8137-9DF3F51BA10A}">
+      <p15:sldGuideLst xmlns:p15="http://schemas.microsoft.com/office/powerpoint/2012/main"/>
+    </p:ext>
+  </p:extLst>
 </p:presentation>
 </file>
 
 <file path=ppt/revisionInfo.xml><?xml version="1.0" encoding="utf-8"?>
 <p1510:revInfo xmlns:a="http://schemas.openxmlformats.org/drawingml/2006/main" xmlns:r="http://schemas.openxmlformats.org/officeDocument/2006/relationships" xmlns:p1510="http://schemas.microsoft.com/office/powerpoint/2015/10/main">
   <p1510:revLst>
-    <p1510:client id="{4000400F-93F7-46C2-B399-9D6FA7DCC5D5}" v="3" dt="2024-05-04T23:57:59.798"/>
+    <p1510:client id="{4000400F-93F7-46C2-B399-9D6FA7DCC5D5}" v="5" dt="2024-05-05T00:31:36.023"/>
   </p1510:revLst>
 </p1510:revInfo>
 </file>
@@ -120,12 +125,12 @@
   <pc:docChgLst>
     <pc:chgData name="Giulio Cusenza" userId="89474cd675a9e1a8" providerId="LiveId" clId="{4000400F-93F7-46C2-B399-9D6FA7DCC5D5}"/>
     <pc:docChg chg="undo redo custSel addSld modSld">
-      <pc:chgData name="Giulio Cusenza" userId="89474cd675a9e1a8" providerId="LiveId" clId="{4000400F-93F7-46C2-B399-9D6FA7DCC5D5}" dt="2024-05-05T00:26:47.969" v="270" actId="20577"/>
+      <pc:chgData name="Giulio Cusenza" userId="89474cd675a9e1a8" providerId="LiveId" clId="{4000400F-93F7-46C2-B399-9D6FA7DCC5D5}" dt="2024-05-05T00:31:32.095" v="272" actId="20577"/>
       <pc:docMkLst>
         <pc:docMk/>
       </pc:docMkLst>
       <pc:sldChg chg="addSp delSp modSp new mod">
-        <pc:chgData name="Giulio Cusenza" userId="89474cd675a9e1a8" providerId="LiveId" clId="{4000400F-93F7-46C2-B399-9D6FA7DCC5D5}" dt="2024-05-05T00:26:47.969" v="270" actId="20577"/>
+        <pc:chgData name="Giulio Cusenza" userId="89474cd675a9e1a8" providerId="LiveId" clId="{4000400F-93F7-46C2-B399-9D6FA7DCC5D5}" dt="2024-05-05T00:31:32.095" v="272" actId="20577"/>
         <pc:sldMkLst>
           <pc:docMk/>
           <pc:sldMk cId="1859724241" sldId="256"/>
@@ -147,7 +152,7 @@
           </ac:spMkLst>
         </pc:spChg>
         <pc:spChg chg="add mod">
-          <ac:chgData name="Giulio Cusenza" userId="89474cd675a9e1a8" providerId="LiveId" clId="{4000400F-93F7-46C2-B399-9D6FA7DCC5D5}" dt="2024-05-05T00:26:47.969" v="270" actId="20577"/>
+          <ac:chgData name="Giulio Cusenza" userId="89474cd675a9e1a8" providerId="LiveId" clId="{4000400F-93F7-46C2-B399-9D6FA7DCC5D5}" dt="2024-05-05T00:31:32.095" v="272" actId="20577"/>
           <ac:spMkLst>
             <pc:docMk/>
             <pc:sldMk cId="1859724241" sldId="256"/>
@@ -3646,7 +3651,19 @@
                 </a:solidFill>
                 <a:latin typeface="Consolas" panose="020B0609020204030204" pitchFamily="49" charset="0"/>
               </a:rPr>
-              <a:t>https://en.wikipedia.org/wiki/List_of_presidents_of_the_United_States</a:t>
+              <a:t>https://en.wikipedia.org/wiki/History_of_the</a:t>
+            </a:r>
+            <a:r>
+              <a:rPr lang="en-GB" i="1" spc="-150">
+                <a:solidFill>
+                  <a:schemeClr val="tx2">
+                    <a:lumMod val="50000"/>
+                    <a:lumOff val="50000"/>
+                  </a:schemeClr>
+                </a:solidFill>
+                <a:latin typeface="Consolas" panose="020B0609020204030204" pitchFamily="49" charset="0"/>
+              </a:rPr>
+              <a:t>_telephone</a:t>
             </a:r>
           </a:p>
           <a:p>
